--- a/IntroCyberSecurity/Module 6 Network Security/Lesson_3_Network_defense_technologies.pptx
+++ b/IntroCyberSecurity/Module 6 Network Security/Lesson_3_Network_defense_technologies.pptx
@@ -278,7 +278,7 @@
           <a:p>
             <a:fld id="{3E0BCCB5-F5D2-6F41-9F49-B14BC05A8E30}" type="datetimeFigureOut">
               <a:rPr lang="en-US" smtClean="0"/>
-              <a:t>4/1/18</a:t>
+              <a:t>4/3/18</a:t>
             </a:fld>
             <a:endParaRPr lang="en-US"/>
           </a:p>
@@ -471,7 +471,7 @@
               <a:pPr>
                 <a:defRPr/>
               </a:pPr>
-              <a:t>4/1/18</a:t>
+              <a:t>4/3/18</a:t>
             </a:fld>
             <a:endParaRPr lang="en-US"/>
           </a:p>
@@ -3203,7 +3203,7 @@
           <p:cNvPr id="3" name="Slide Number Placeholder 2">
             <a:extLst>
               <a:ext uri="{FF2B5EF4-FFF2-40B4-BE49-F238E27FC236}">
-                <a16:creationId xmlns="" xmlns:a16="http://schemas.microsoft.com/office/drawing/2014/main" id="{7D2FFADE-E1BC-48C1-83AA-6DDDD39A33C4}"/>
+                <a16:creationId xmlns:a16="http://schemas.microsoft.com/office/drawing/2014/main" xmlns="" id="{7D2FFADE-E1BC-48C1-83AA-6DDDD39A33C4}"/>
               </a:ext>
             </a:extLst>
           </p:cNvPr>
@@ -3238,7 +3238,7 @@
           <p:cNvPr id="9" name="Picture 8">
             <a:extLst>
               <a:ext uri="{FF2B5EF4-FFF2-40B4-BE49-F238E27FC236}">
-                <a16:creationId xmlns="" xmlns:a16="http://schemas.microsoft.com/office/drawing/2014/main" id="{9CBFC76A-A606-42CF-BCDF-C73975C150B9}"/>
+                <a16:creationId xmlns:a16="http://schemas.microsoft.com/office/drawing/2014/main" xmlns="" id="{9CBFC76A-A606-42CF-BCDF-C73975C150B9}"/>
               </a:ext>
             </a:extLst>
           </p:cNvPr>
@@ -3268,7 +3268,7 @@
           <p:cNvPr id="2" name="Title 1">
             <a:extLst>
               <a:ext uri="{FF2B5EF4-FFF2-40B4-BE49-F238E27FC236}">
-                <a16:creationId xmlns="" xmlns:a16="http://schemas.microsoft.com/office/drawing/2014/main" id="{5C287DE2-E1A2-4F41-96FE-94AF4425CB03}"/>
+                <a16:creationId xmlns:a16="http://schemas.microsoft.com/office/drawing/2014/main" xmlns="" id="{5C287DE2-E1A2-4F41-96FE-94AF4425CB03}"/>
               </a:ext>
             </a:extLst>
           </p:cNvPr>
@@ -4333,7 +4333,7 @@
           <p:cNvPr id="2" name="Title 1">
             <a:extLst>
               <a:ext uri="{FF2B5EF4-FFF2-40B4-BE49-F238E27FC236}">
-                <a16:creationId xmlns="" xmlns:a16="http://schemas.microsoft.com/office/drawing/2014/main" id="{6EB309E1-B997-4458-AE28-FCADE36405DE}"/>
+                <a16:creationId xmlns:a16="http://schemas.microsoft.com/office/drawing/2014/main" xmlns="" id="{6EB309E1-B997-4458-AE28-FCADE36405DE}"/>
               </a:ext>
             </a:extLst>
           </p:cNvPr>
@@ -4384,7 +4384,7 @@
           <p:cNvPr id="3" name="Subtitle 2">
             <a:extLst>
               <a:ext uri="{FF2B5EF4-FFF2-40B4-BE49-F238E27FC236}">
-                <a16:creationId xmlns="" xmlns:a16="http://schemas.microsoft.com/office/drawing/2014/main" id="{6E3BDCF0-5416-4AF1-BF2C-3F3EE2810088}"/>
+                <a16:creationId xmlns:a16="http://schemas.microsoft.com/office/drawing/2014/main" xmlns="" id="{6E3BDCF0-5416-4AF1-BF2C-3F3EE2810088}"/>
               </a:ext>
             </a:extLst>
           </p:cNvPr>
@@ -5883,7 +5883,6 @@
               <a:rPr lang="en-US" dirty="0"/>
               <a:t>Hardware or software product that gathers and analyzes information from various areas within a computer or a network to identify possible security breaches, which include both intrusions (attacks from outside the organizations) and misuse (attacks from within the organizations.) </a:t>
             </a:r>
-            <a:endParaRPr lang="en-US" dirty="0"/>
           </a:p>
         </p:txBody>
       </p:sp>
@@ -7400,7 +7399,6 @@
               <a:rPr lang="en-US" dirty="0"/>
               <a:t>) which can detect an intrusive activity and can also attempt to stop the activity, ideally before it reaches its targets. </a:t>
             </a:r>
-            <a:endParaRPr lang="en-US" dirty="0"/>
           </a:p>
           <a:p>
             <a:r>
@@ -8070,7 +8068,7 @@
           <p:cNvPr id="8" name="Title 1">
             <a:extLst>
               <a:ext uri="{FF2B5EF4-FFF2-40B4-BE49-F238E27FC236}">
-                <a16:creationId xmlns="" xmlns:a16="http://schemas.microsoft.com/office/drawing/2014/main" id="{992F630B-24C8-4726-85FB-CF06F2B12F86}"/>
+                <a16:creationId xmlns:a16="http://schemas.microsoft.com/office/drawing/2014/main" xmlns="" id="{992F630B-24C8-4726-85FB-CF06F2B12F86}"/>
               </a:ext>
             </a:extLst>
           </p:cNvPr>
@@ -8455,11 +8453,7 @@
           <a:p>
             <a:r>
               <a:rPr lang="en-US" dirty="0" smtClean="0"/>
-              <a:t>Learning </a:t>
-            </a:r>
-            <a:r>
-              <a:rPr lang="en-US" dirty="0" smtClean="0"/>
-              <a:t>Outcomes:</a:t>
+              <a:t>Learning Outcomes:</a:t>
             </a:r>
           </a:p>
           <a:p>
@@ -8489,7 +8483,23 @@
             <a:pPr lvl="1"/>
             <a:r>
               <a:rPr lang="en-US" dirty="0"/>
-              <a:t>Students will be able to know honeypots and what is the purpose of setting up a honeypot.</a:t>
+              <a:t>Students will be able to </a:t>
+            </a:r>
+            <a:r>
+              <a:rPr lang="en-US"/>
+              <a:t>describe</a:t>
+            </a:r>
+            <a:r>
+              <a:rPr lang="en-US"/>
+              <a:t> </a:t>
+            </a:r>
+            <a:r>
+              <a:rPr lang="en-US" smtClean="0"/>
+              <a:t>honeypots </a:t>
+            </a:r>
+            <a:r>
+              <a:rPr lang="en-US" dirty="0"/>
+              <a:t>and what is the purpose of setting up a honeypot.</a:t>
             </a:r>
           </a:p>
           <a:p>

--- a/IntroCyberSecurity/Module 6 Network Security/Lesson_3_Network_defense_technologies.pptx
+++ b/IntroCyberSecurity/Module 6 Network Security/Lesson_3_Network_defense_technologies.pptx
@@ -35,7 +35,7 @@
     <p:sldId id="394" r:id="rId23"/>
     <p:sldId id="404" r:id="rId24"/>
     <p:sldId id="395" r:id="rId25"/>
-    <p:sldId id="333" r:id="rId26"/>
+    <p:sldId id="405" r:id="rId26"/>
   </p:sldIdLst>
   <p:sldSz cx="9144000" cy="6858000" type="screen4x3"/>
   <p:notesSz cx="7315200" cy="9601200"/>
@@ -278,7 +278,7 @@
           <a:p>
             <a:fld id="{3E0BCCB5-F5D2-6F41-9F49-B14BC05A8E30}" type="datetimeFigureOut">
               <a:rPr lang="en-US" smtClean="0"/>
-              <a:t>4/3/18</a:t>
+              <a:t>4/24/18</a:t>
             </a:fld>
             <a:endParaRPr lang="en-US"/>
           </a:p>
@@ -471,7 +471,7 @@
               <a:pPr>
                 <a:defRPr/>
               </a:pPr>
-              <a:t>4/3/18</a:t>
+              <a:t>4/24/18</a:t>
             </a:fld>
             <a:endParaRPr lang="en-US"/>
           </a:p>
@@ -1236,10 +1236,39 @@
           </a:p>
         </p:txBody>
       </p:sp>
+      <p:sp>
+        <p:nvSpPr>
+          <p:cNvPr id="4" name="Slide Number Placeholder 3"/>
+          <p:cNvSpPr>
+            <a:spLocks noGrp="1"/>
+          </p:cNvSpPr>
+          <p:nvPr>
+            <p:ph type="sldNum" sz="quarter" idx="10"/>
+          </p:nvPr>
+        </p:nvSpPr>
+        <p:spPr/>
+        <p:txBody>
+          <a:bodyPr/>
+          <a:lstStyle/>
+          <a:p>
+            <a:pPr>
+              <a:defRPr/>
+            </a:pPr>
+            <a:fld id="{ABC2C3F8-920C-4239-9891-79F2271E8033}" type="slidenum">
+              <a:rPr lang="en-US" smtClean="0"/>
+              <a:pPr>
+                <a:defRPr/>
+              </a:pPr>
+              <a:t>25</a:t>
+            </a:fld>
+            <a:endParaRPr lang="en-US"/>
+          </a:p>
+        </p:txBody>
+      </p:sp>
     </p:spTree>
     <p:extLst>
       <p:ext uri="{BB962C8B-B14F-4D97-AF65-F5344CB8AC3E}">
-        <p14:creationId xmlns:p14="http://schemas.microsoft.com/office/powerpoint/2010/main" val="2433617412"/>
+        <p14:creationId xmlns:p14="http://schemas.microsoft.com/office/powerpoint/2010/main" val="1323966633"/>
       </p:ext>
     </p:extLst>
   </p:cSld>
@@ -3203,7 +3232,7 @@
           <p:cNvPr id="3" name="Slide Number Placeholder 2">
             <a:extLst>
               <a:ext uri="{FF2B5EF4-FFF2-40B4-BE49-F238E27FC236}">
-                <a16:creationId xmlns:a16="http://schemas.microsoft.com/office/drawing/2014/main" xmlns="" id="{7D2FFADE-E1BC-48C1-83AA-6DDDD39A33C4}"/>
+                <a16:creationId xmlns="" xmlns:a16="http://schemas.microsoft.com/office/drawing/2014/main" id="{7D2FFADE-E1BC-48C1-83AA-6DDDD39A33C4}"/>
               </a:ext>
             </a:extLst>
           </p:cNvPr>
@@ -3238,7 +3267,7 @@
           <p:cNvPr id="9" name="Picture 8">
             <a:extLst>
               <a:ext uri="{FF2B5EF4-FFF2-40B4-BE49-F238E27FC236}">
-                <a16:creationId xmlns:a16="http://schemas.microsoft.com/office/drawing/2014/main" xmlns="" id="{9CBFC76A-A606-42CF-BCDF-C73975C150B9}"/>
+                <a16:creationId xmlns="" xmlns:a16="http://schemas.microsoft.com/office/drawing/2014/main" id="{9CBFC76A-A606-42CF-BCDF-C73975C150B9}"/>
               </a:ext>
             </a:extLst>
           </p:cNvPr>
@@ -3268,7 +3297,7 @@
           <p:cNvPr id="2" name="Title 1">
             <a:extLst>
               <a:ext uri="{FF2B5EF4-FFF2-40B4-BE49-F238E27FC236}">
-                <a16:creationId xmlns:a16="http://schemas.microsoft.com/office/drawing/2014/main" xmlns="" id="{5C287DE2-E1A2-4F41-96FE-94AF4425CB03}"/>
+                <a16:creationId xmlns="" xmlns:a16="http://schemas.microsoft.com/office/drawing/2014/main" id="{5C287DE2-E1A2-4F41-96FE-94AF4425CB03}"/>
               </a:ext>
             </a:extLst>
           </p:cNvPr>
@@ -4333,7 +4362,7 @@
           <p:cNvPr id="2" name="Title 1">
             <a:extLst>
               <a:ext uri="{FF2B5EF4-FFF2-40B4-BE49-F238E27FC236}">
-                <a16:creationId xmlns:a16="http://schemas.microsoft.com/office/drawing/2014/main" xmlns="" id="{6EB309E1-B997-4458-AE28-FCADE36405DE}"/>
+                <a16:creationId xmlns="" xmlns:a16="http://schemas.microsoft.com/office/drawing/2014/main" id="{6EB309E1-B997-4458-AE28-FCADE36405DE}"/>
               </a:ext>
             </a:extLst>
           </p:cNvPr>
@@ -4384,7 +4413,7 @@
           <p:cNvPr id="3" name="Subtitle 2">
             <a:extLst>
               <a:ext uri="{FF2B5EF4-FFF2-40B4-BE49-F238E27FC236}">
-                <a16:creationId xmlns:a16="http://schemas.microsoft.com/office/drawing/2014/main" xmlns="" id="{6E3BDCF0-5416-4AF1-BF2C-3F3EE2810088}"/>
+                <a16:creationId xmlns="" xmlns:a16="http://schemas.microsoft.com/office/drawing/2014/main" id="{6E3BDCF0-5416-4AF1-BF2C-3F3EE2810088}"/>
               </a:ext>
             </a:extLst>
           </p:cNvPr>
@@ -8065,10 +8094,10 @@
       </p:grpSpPr>
       <p:sp>
         <p:nvSpPr>
-          <p:cNvPr id="8" name="Title 1">
+          <p:cNvPr id="7" name="Slide Number Placeholder 6">
             <a:extLst>
               <a:ext uri="{FF2B5EF4-FFF2-40B4-BE49-F238E27FC236}">
-                <a16:creationId xmlns:a16="http://schemas.microsoft.com/office/drawing/2014/main" xmlns="" id="{992F630B-24C8-4726-85FB-CF06F2B12F86}"/>
+                <a16:creationId xmlns="" xmlns:a16="http://schemas.microsoft.com/office/drawing/2014/main" id="{27B55DC7-B95B-4807-B808-1E7A81E0F45A}"/>
               </a:ext>
             </a:extLst>
           </p:cNvPr>
@@ -8076,264 +8105,340 @@
             <a:spLocks noGrp="1"/>
           </p:cNvSpPr>
           <p:nvPr>
-            <p:ph type="title"/>
+            <p:ph type="sldNum" sz="quarter" idx="10"/>
           </p:nvPr>
         </p:nvSpPr>
         <p:spPr/>
         <p:txBody>
-          <a:bodyPr anchor="t"/>
+          <a:bodyPr/>
+          <a:lstStyle/>
+          <a:p>
+            <a:fld id="{FB267019-40B7-405C-98B7-75F3216AFF79}" type="slidenum">
+              <a:rPr lang="en-US" smtClean="0"/>
+              <a:pPr/>
+              <a:t>25</a:t>
+            </a:fld>
+            <a:endParaRPr lang="en-US" dirty="0"/>
+          </a:p>
+        </p:txBody>
+      </p:sp>
+      <p:sp>
+        <p:nvSpPr>
+          <p:cNvPr id="19" name="Text Placeholder 7">
+            <a:extLst>
+              <a:ext uri="{FF2B5EF4-FFF2-40B4-BE49-F238E27FC236}">
+                <a16:creationId xmlns="" xmlns:a16="http://schemas.microsoft.com/office/drawing/2014/main" id="{2785A2B3-FCF4-4D59-9841-12917D91B27A}"/>
+              </a:ext>
+            </a:extLst>
+          </p:cNvPr>
+          <p:cNvSpPr txBox="1">
+            <a:spLocks/>
+          </p:cNvSpPr>
+          <p:nvPr/>
+        </p:nvSpPr>
+        <p:spPr>
+          <a:xfrm>
+            <a:off x="725683" y="871606"/>
+            <a:ext cx="7893050" cy="5114787"/>
+          </a:xfrm>
+          <a:prstGeom prst="rect">
+            <a:avLst/>
+          </a:prstGeom>
+        </p:spPr>
+        <p:txBody>
+          <a:bodyPr/>
           <a:lstStyle>
-            <a:lvl1pPr algn="ctr">
-              <a:defRPr sz="1800"/>
+            <a:lvl1pPr marL="0" indent="0" algn="ctr" defTabSz="685800" rtl="0" eaLnBrk="0" fontAlgn="base" hangingPunct="0">
+              <a:lnSpc>
+                <a:spcPct val="90000"/>
+              </a:lnSpc>
+              <a:spcBef>
+                <a:spcPts val="750"/>
+              </a:spcBef>
+              <a:spcAft>
+                <a:spcPct val="0"/>
+              </a:spcAft>
+              <a:buFont typeface="Arial" charset="0"/>
+              <a:buNone/>
+              <a:defRPr sz="1800" kern="1200">
+                <a:solidFill>
+                  <a:schemeClr val="tx1"/>
+                </a:solidFill>
+                <a:latin typeface="+mn-lt"/>
+                <a:ea typeface="+mn-ea"/>
+                <a:cs typeface="+mn-cs"/>
+              </a:defRPr>
             </a:lvl1pPr>
+            <a:lvl2pPr marL="514350" indent="-171450" algn="l" defTabSz="685800" rtl="0" eaLnBrk="0" fontAlgn="base" hangingPunct="0">
+              <a:lnSpc>
+                <a:spcPct val="90000"/>
+              </a:lnSpc>
+              <a:spcBef>
+                <a:spcPts val="375"/>
+              </a:spcBef>
+              <a:spcAft>
+                <a:spcPct val="0"/>
+              </a:spcAft>
+              <a:buFont typeface="Arial" charset="0"/>
+              <a:buChar char="•"/>
+              <a:defRPr sz="2400" kern="1200">
+                <a:solidFill>
+                  <a:schemeClr val="tx1"/>
+                </a:solidFill>
+                <a:latin typeface="+mn-lt"/>
+                <a:ea typeface="+mn-ea"/>
+                <a:cs typeface="+mn-cs"/>
+              </a:defRPr>
+            </a:lvl2pPr>
+            <a:lvl3pPr marL="857250" indent="-171450" algn="l" defTabSz="685800" rtl="0" eaLnBrk="0" fontAlgn="base" hangingPunct="0">
+              <a:lnSpc>
+                <a:spcPct val="90000"/>
+              </a:lnSpc>
+              <a:spcBef>
+                <a:spcPts val="375"/>
+              </a:spcBef>
+              <a:spcAft>
+                <a:spcPct val="0"/>
+              </a:spcAft>
+              <a:buFont typeface="Arial" charset="0"/>
+              <a:buChar char="•"/>
+              <a:defRPr sz="1800" kern="1200">
+                <a:solidFill>
+                  <a:schemeClr val="tx1"/>
+                </a:solidFill>
+                <a:latin typeface="+mn-lt"/>
+                <a:ea typeface="+mn-ea"/>
+                <a:cs typeface="+mn-cs"/>
+              </a:defRPr>
+            </a:lvl3pPr>
+            <a:lvl4pPr marL="1200150" indent="-171450" algn="l" defTabSz="685800" rtl="0" eaLnBrk="0" fontAlgn="base" hangingPunct="0">
+              <a:lnSpc>
+                <a:spcPct val="90000"/>
+              </a:lnSpc>
+              <a:spcBef>
+                <a:spcPts val="375"/>
+              </a:spcBef>
+              <a:spcAft>
+                <a:spcPct val="0"/>
+              </a:spcAft>
+              <a:buFont typeface="Arial" charset="0"/>
+              <a:buChar char="•"/>
+              <a:defRPr sz="1600" kern="1200">
+                <a:solidFill>
+                  <a:schemeClr val="tx1"/>
+                </a:solidFill>
+                <a:latin typeface="+mn-lt"/>
+                <a:ea typeface="+mn-ea"/>
+                <a:cs typeface="+mn-cs"/>
+              </a:defRPr>
+            </a:lvl4pPr>
+            <a:lvl5pPr marL="1543050" indent="-171450" algn="l" defTabSz="685800" rtl="0" eaLnBrk="0" fontAlgn="base" hangingPunct="0">
+              <a:lnSpc>
+                <a:spcPct val="90000"/>
+              </a:lnSpc>
+              <a:spcBef>
+                <a:spcPts val="375"/>
+              </a:spcBef>
+              <a:spcAft>
+                <a:spcPct val="0"/>
+              </a:spcAft>
+              <a:buFont typeface="Arial" charset="0"/>
+              <a:buChar char="•"/>
+              <a:defRPr sz="1600" kern="1200">
+                <a:solidFill>
+                  <a:schemeClr val="tx1"/>
+                </a:solidFill>
+                <a:latin typeface="+mn-lt"/>
+                <a:ea typeface="+mn-ea"/>
+                <a:cs typeface="+mn-cs"/>
+              </a:defRPr>
+            </a:lvl5pPr>
+            <a:lvl6pPr marL="1885950" indent="-171450" algn="l" defTabSz="685800" rtl="0" eaLnBrk="1" latinLnBrk="0" hangingPunct="1">
+              <a:lnSpc>
+                <a:spcPct val="90000"/>
+              </a:lnSpc>
+              <a:spcBef>
+                <a:spcPts val="375"/>
+              </a:spcBef>
+              <a:buFont typeface="Arial" panose="020B0604020202020204" pitchFamily="34" charset="0"/>
+              <a:buChar char="•"/>
+              <a:defRPr sz="1350" kern="1200">
+                <a:solidFill>
+                  <a:schemeClr val="tx1"/>
+                </a:solidFill>
+                <a:latin typeface="+mn-lt"/>
+                <a:ea typeface="+mn-ea"/>
+                <a:cs typeface="+mn-cs"/>
+              </a:defRPr>
+            </a:lvl6pPr>
+            <a:lvl7pPr marL="2228850" indent="-171450" algn="l" defTabSz="685800" rtl="0" eaLnBrk="1" latinLnBrk="0" hangingPunct="1">
+              <a:lnSpc>
+                <a:spcPct val="90000"/>
+              </a:lnSpc>
+              <a:spcBef>
+                <a:spcPts val="375"/>
+              </a:spcBef>
+              <a:buFont typeface="Arial" panose="020B0604020202020204" pitchFamily="34" charset="0"/>
+              <a:buChar char="•"/>
+              <a:defRPr sz="1350" kern="1200">
+                <a:solidFill>
+                  <a:schemeClr val="tx1"/>
+                </a:solidFill>
+                <a:latin typeface="+mn-lt"/>
+                <a:ea typeface="+mn-ea"/>
+                <a:cs typeface="+mn-cs"/>
+              </a:defRPr>
+            </a:lvl7pPr>
+            <a:lvl8pPr marL="2571750" indent="-171450" algn="l" defTabSz="685800" rtl="0" eaLnBrk="1" latinLnBrk="0" hangingPunct="1">
+              <a:lnSpc>
+                <a:spcPct val="90000"/>
+              </a:lnSpc>
+              <a:spcBef>
+                <a:spcPts val="375"/>
+              </a:spcBef>
+              <a:buFont typeface="Arial" panose="020B0604020202020204" pitchFamily="34" charset="0"/>
+              <a:buChar char="•"/>
+              <a:defRPr sz="1350" kern="1200">
+                <a:solidFill>
+                  <a:schemeClr val="tx1"/>
+                </a:solidFill>
+                <a:latin typeface="+mn-lt"/>
+                <a:ea typeface="+mn-ea"/>
+                <a:cs typeface="+mn-cs"/>
+              </a:defRPr>
+            </a:lvl8pPr>
+            <a:lvl9pPr marL="2914650" indent="-171450" algn="l" defTabSz="685800" rtl="0" eaLnBrk="1" latinLnBrk="0" hangingPunct="1">
+              <a:lnSpc>
+                <a:spcPct val="90000"/>
+              </a:lnSpc>
+              <a:spcBef>
+                <a:spcPts val="375"/>
+              </a:spcBef>
+              <a:buFont typeface="Arial" panose="020B0604020202020204" pitchFamily="34" charset="0"/>
+              <a:buChar char="•"/>
+              <a:defRPr sz="1350" kern="1200">
+                <a:solidFill>
+                  <a:schemeClr val="tx1"/>
+                </a:solidFill>
+                <a:latin typeface="+mn-lt"/>
+                <a:ea typeface="+mn-ea"/>
+                <a:cs typeface="+mn-cs"/>
+              </a:defRPr>
+            </a:lvl9pPr>
           </a:lstStyle>
           <a:p>
             <a:r>
-              <a:rPr lang="en-US" dirty="0">
-                <a:solidFill>
-                  <a:srgbClr val="FF00FF"/>
-                </a:solidFill>
-              </a:rPr>
+              <a:rPr lang="en-US" dirty="0"/>
+              <a:t>Please attribute Dr. Jim Alves-Foss and Dr. Jia Song, University of Idaho</a:t>
+            </a:r>
+            <a:br>
+              <a:rPr lang="en-US" dirty="0"/>
+            </a:br>
+            <a:r>
+              <a:rPr lang="en-US" dirty="0"/>
               <a:t/>
             </a:r>
             <a:br>
-              <a:rPr lang="en-US" dirty="0">
-                <a:solidFill>
-                  <a:srgbClr val="FF00FF"/>
-                </a:solidFill>
-              </a:rPr>
+              <a:rPr lang="en-US" dirty="0"/>
             </a:br>
             <a:r>
               <a:rPr lang="en-US" dirty="0"/>
-              <a:t>Please attribute Dr. Jim Alves-Foss and Dr. Jia Song, University of Idaho</a:t>
-            </a:r>
-            <a:r>
-              <a:rPr lang="en-US" dirty="0">
-                <a:solidFill>
-                  <a:srgbClr val="FF00FF"/>
-                </a:solidFill>
-              </a:rPr>
               <a:t/>
             </a:r>
             <a:br>
-              <a:rPr lang="en-US" dirty="0">
-                <a:solidFill>
-                  <a:srgbClr val="FF00FF"/>
-                </a:solidFill>
-              </a:rPr>
+              <a:rPr lang="en-US" dirty="0"/>
             </a:br>
             <a:r>
-              <a:rPr lang="en-US" dirty="0">
-                <a:solidFill>
-                  <a:srgbClr val="FF00FF"/>
-                </a:solidFill>
-              </a:rPr>
+              <a:rPr lang="en-US" dirty="0"/>
               <a:t/>
             </a:r>
             <a:br>
-              <a:rPr lang="en-US" dirty="0">
-                <a:solidFill>
-                  <a:srgbClr val="FF00FF"/>
-                </a:solidFill>
-              </a:rPr>
+              <a:rPr lang="en-US" dirty="0"/>
             </a:br>
             <a:r>
-              <a:rPr lang="en-US" dirty="0">
-                <a:solidFill>
-                  <a:srgbClr val="FF00FF"/>
-                </a:solidFill>
-              </a:rPr>
+              <a:rPr lang="en-US" dirty="0"/>
               <a:t/>
             </a:r>
             <a:br>
-              <a:rPr lang="en-US" dirty="0">
-                <a:solidFill>
-                  <a:srgbClr val="FF00FF"/>
-                </a:solidFill>
-              </a:rPr>
+              <a:rPr lang="en-US" dirty="0"/>
             </a:br>
             <a:r>
-              <a:rPr lang="en-US" dirty="0">
-                <a:solidFill>
-                  <a:srgbClr val="FF00FF"/>
-                </a:solidFill>
-              </a:rPr>
+              <a:rPr lang="en-US" dirty="0"/>
               <a:t/>
             </a:r>
             <a:br>
-              <a:rPr lang="en-US" dirty="0">
-                <a:solidFill>
-                  <a:srgbClr val="FF00FF"/>
-                </a:solidFill>
-              </a:rPr>
+              <a:rPr lang="en-US" dirty="0"/>
             </a:br>
             <a:r>
-              <a:rPr lang="en-US" dirty="0">
-                <a:solidFill>
-                  <a:srgbClr val="FF00FF"/>
-                </a:solidFill>
-              </a:rPr>
+              <a:rPr lang="en-US" dirty="0"/>
               <a:t/>
             </a:r>
             <a:br>
-              <a:rPr lang="en-US" dirty="0">
-                <a:solidFill>
-                  <a:srgbClr val="FF00FF"/>
-                </a:solidFill>
-              </a:rPr>
+              <a:rPr lang="en-US" dirty="0"/>
             </a:br>
             <a:r>
-              <a:rPr lang="en-US" dirty="0">
-                <a:solidFill>
-                  <a:srgbClr val="FF00FF"/>
-                </a:solidFill>
-              </a:rPr>
+              <a:rPr lang="en-US" dirty="0"/>
               <a:t/>
             </a:r>
             <a:br>
-              <a:rPr lang="en-US" dirty="0">
-                <a:solidFill>
-                  <a:srgbClr val="FF00FF"/>
-                </a:solidFill>
-              </a:rPr>
+              <a:rPr lang="en-US" dirty="0"/>
             </a:br>
-            <a:r>
-              <a:rPr lang="en-US" dirty="0">
-                <a:solidFill>
-                  <a:srgbClr val="FF00FF"/>
-                </a:solidFill>
-              </a:rPr>
+            <a:endParaRPr lang="en-US" dirty="0"/>
+          </a:p>
+          <a:p>
+            <a:r>
+              <a:rPr lang="en-US" sz="1600" dirty="0"/>
+              <a:t>Except where otherwise noted, this work is licensed under https://creativecommons.org/licenses/by-nc-sa/4.0/</a:t>
+            </a:r>
+            <a:br>
+              <a:rPr lang="en-US" sz="1600" dirty="0"/>
+            </a:br>
+            <a:r>
+              <a:rPr lang="en-US" sz="1600" dirty="0"/>
               <a:t/>
             </a:r>
             <a:br>
-              <a:rPr lang="en-US" dirty="0">
-                <a:solidFill>
-                  <a:srgbClr val="FF00FF"/>
-                </a:solidFill>
-              </a:rPr>
+              <a:rPr lang="en-US" sz="1600" dirty="0"/>
             </a:br>
             <a:r>
-              <a:rPr lang="en-US" dirty="0">
-                <a:solidFill>
-                  <a:srgbClr val="FF00FF"/>
-                </a:solidFill>
-              </a:rPr>
+              <a:rPr lang="en-US" sz="1600" dirty="0"/>
+              <a:t>Not withstanding the non-commercial license terms, non-profit educational institutions are granted a non-exclusive license to adapt and use this material, with attribution.</a:t>
+            </a:r>
+            <a:br>
+              <a:rPr lang="en-US" sz="1600" dirty="0"/>
+            </a:br>
+            <a:r>
+              <a:rPr lang="en-US" sz="1600" dirty="0"/>
               <a:t/>
             </a:r>
             <a:br>
-              <a:rPr lang="en-US" dirty="0">
-                <a:solidFill>
-                  <a:srgbClr val="FF00FF"/>
-                </a:solidFill>
-              </a:rPr>
+              <a:rPr lang="en-US" sz="1600" dirty="0"/>
             </a:br>
             <a:r>
-              <a:rPr lang="en-US" dirty="0">
-                <a:solidFill>
-                  <a:srgbClr val="FF00FF"/>
-                </a:solidFill>
-              </a:rPr>
-              <a:t/>
-            </a:r>
-            <a:br>
-              <a:rPr lang="en-US" dirty="0">
-                <a:solidFill>
-                  <a:srgbClr val="FF00FF"/>
-                </a:solidFill>
-              </a:rPr>
-            </a:br>
-            <a:r>
-              <a:rPr lang="en-US" dirty="0"/>
-              <a:t>Except where otherwise noted, this work is licensed under https://creativecommons.org/licenses/by-nc-sa/4.0/</a:t>
-            </a:r>
-            <a:r>
-              <a:rPr lang="en-US" dirty="0">
-                <a:solidFill>
-                  <a:srgbClr val="FF00FF"/>
-                </a:solidFill>
-              </a:rPr>
-              <a:t/>
-            </a:r>
-            <a:br>
-              <a:rPr lang="en-US" dirty="0">
-                <a:solidFill>
-                  <a:srgbClr val="FF00FF"/>
-                </a:solidFill>
-              </a:rPr>
-            </a:br>
-            <a:r>
-              <a:rPr lang="en-US" dirty="0">
-                <a:solidFill>
-                  <a:srgbClr val="FF00FF"/>
-                </a:solidFill>
-              </a:rPr>
-              <a:t/>
-            </a:r>
-            <a:br>
-              <a:rPr lang="en-US" dirty="0">
-                <a:solidFill>
-                  <a:srgbClr val="FF00FF"/>
-                </a:solidFill>
-              </a:rPr>
-            </a:br>
-            <a:r>
-              <a:rPr lang="en-US" dirty="0"/>
-              <a:t>Not withstanding the non-commercial license terms, non-profit educational institutions are granted a non-exclusive license to adapt and use this material, with attribution.</a:t>
-            </a:r>
-            <a:r>
-              <a:rPr lang="en-US" dirty="0">
-                <a:solidFill>
-                  <a:srgbClr val="FF00FF"/>
-                </a:solidFill>
-              </a:rPr>
-              <a:t/>
-            </a:r>
-            <a:br>
-              <a:rPr lang="en-US" dirty="0">
-                <a:solidFill>
-                  <a:srgbClr val="FF00FF"/>
-                </a:solidFill>
-              </a:rPr>
-            </a:br>
-            <a:r>
-              <a:rPr lang="en-US" dirty="0">
-                <a:solidFill>
-                  <a:srgbClr val="FF00FF"/>
-                </a:solidFill>
-              </a:rPr>
-              <a:t/>
-            </a:r>
-            <a:br>
-              <a:rPr lang="en-US" dirty="0">
-                <a:solidFill>
-                  <a:srgbClr val="FF00FF"/>
-                </a:solidFill>
-              </a:rPr>
-            </a:br>
-            <a:r>
-              <a:rPr lang="en-US" dirty="0"/>
-              <a:t>Creative Commons and the double C in a circle are registered trademarks of Creative commons in the United States and other countries. Third party marks and brands are the property of their respective holders.</a:t>
-            </a:r>
-            <a:r>
-              <a:rPr lang="en-US" dirty="0">
-                <a:solidFill>
-                  <a:srgbClr val="FF00FF"/>
-                </a:solidFill>
-              </a:rPr>
-              <a:t/>
-            </a:r>
-            <a:br>
-              <a:rPr lang="en-US" dirty="0">
-                <a:solidFill>
-                  <a:srgbClr val="FF00FF"/>
-                </a:solidFill>
-              </a:rPr>
-            </a:br>
-            <a:endParaRPr lang="en-US" dirty="0">
-              <a:solidFill>
-                <a:srgbClr val="FF00FF"/>
-              </a:solidFill>
-            </a:endParaRPr>
+              <a:rPr lang="en-US" sz="1600" dirty="0"/>
+              <a:t>Creative Commons and the double C in a circle are registered trademarks of Creative commons in the United States and other countries. Third party marks and brands are the property of their respective holders</a:t>
+            </a:r>
+            <a:r>
+              <a:rPr lang="en-US" sz="1600" dirty="0" smtClean="0"/>
+              <a:t>.</a:t>
+            </a:r>
+          </a:p>
+          <a:p>
+            <a:r>
+              <a:rPr lang="en-US" sz="1600" dirty="0"/>
+              <a:t>Project sponsored by the National Security Agency under grant Number </a:t>
+            </a:r>
+            <a:r>
+              <a:rPr lang="en-US" sz="1600" dirty="0" smtClean="0"/>
+              <a:t>H98230-17-1-0199. The </a:t>
+            </a:r>
+            <a:r>
+              <a:rPr lang="en-US" sz="1600" dirty="0"/>
+              <a:t>United States Government is authorized to reproduce and distribute reprints notwithstanding any copyright notation herein.</a:t>
+            </a:r>
+          </a:p>
+          <a:p>
+            <a:endParaRPr lang="en-US" sz="1600" dirty="0"/>
           </a:p>
         </p:txBody>
       </p:sp>
@@ -8343,7 +8448,7 @@
     </p:custDataLst>
     <p:extLst>
       <p:ext uri="{BB962C8B-B14F-4D97-AF65-F5344CB8AC3E}">
-        <p14:creationId xmlns:p14="http://schemas.microsoft.com/office/powerpoint/2010/main" val="1892705052"/>
+        <p14:creationId xmlns:p14="http://schemas.microsoft.com/office/powerpoint/2010/main" val="1805513649"/>
       </p:ext>
     </p:extLst>
   </p:cSld>
@@ -8487,11 +8592,7 @@
             </a:r>
             <a:r>
               <a:rPr lang="en-US"/>
-              <a:t>describe</a:t>
-            </a:r>
-            <a:r>
-              <a:rPr lang="en-US"/>
-              <a:t> </a:t>
+              <a:t>describe </a:t>
             </a:r>
             <a:r>
               <a:rPr lang="en-US" smtClean="0"/>
@@ -9842,12 +9943,13 @@
   <p:tag name="AUDIO_ID" val="333"/>
   <p:tag name="ARTICULATE_NAV_LEVEL" val="1"/>
   <p:tag name="ARTICULATE_TOC_EXPANDED" val="True"/>
-  <p:tag name="ARTICULATE_SLIDE_PRESENTER_GUID" val="ee58492c-7408-4409-b5d7-fc69e46ae5b4"/>
-  <p:tag name="ARTICULATE_SLIDE_PAUSE" val="1"/>
+  <p:tag name="ARTICULATE_SLIDE_PRESENTER_GUID" val="b6afec6b-4ad9-49aa-931c-79381ce9333b"/>
+  <p:tag name="ARTICULATE_SLIDE_PAUSE" val="0"/>
   <p:tag name="ARTICULATE_HIDE_SLIDE" val="0"/>
   <p:tag name="ARTICULATE_PLAYER_CONTROL_PREVIOUS" val="True"/>
   <p:tag name="ARTICULATE_PLAYER_CONTROL_NEXT" val="True"/>
   <p:tag name="ARTICULATE_USED_LAYOUT" val="9"/>
+  <p:tag name="ARTICULATE_SLIDE_THUMBNAIL_REFRESH" val="1"/>
 </p:tagLst>
 </file>
 
